--- a/Slides/6_WrapUp.pptx
+++ b/Slides/6_WrapUp.pptx
@@ -587,7 +587,7 @@
           <a:p>
             <a:fld id="{C03C6563-76E9-3447-AC46-62A637AF2723}" type="datetimeFigureOut">
               <a:rPr lang="en-US" smtClean="0"/>
-              <a:t>5/14/2024</a:t>
+              <a:t>6/24/24</a:t>
             </a:fld>
             <a:endParaRPr lang="en-US"/>
           </a:p>
@@ -3509,7 +3509,7 @@
           <a:p>
             <a:fld id="{1B5E5853-23B0-2344-8ED6-D2879B889C2E}" type="datetimeFigureOut">
               <a:rPr lang="en-US" smtClean="0"/>
-              <a:t>5/14/2024</a:t>
+              <a:t>6/24/24</a:t>
             </a:fld>
             <a:endParaRPr lang="en-US"/>
           </a:p>
@@ -3751,7 +3751,7 @@
           <a:p>
             <a:fld id="{1B5E5853-23B0-2344-8ED6-D2879B889C2E}" type="datetimeFigureOut">
               <a:rPr lang="en-US" smtClean="0"/>
-              <a:t>5/14/2024</a:t>
+              <a:t>6/24/24</a:t>
             </a:fld>
             <a:endParaRPr lang="en-US"/>
           </a:p>
@@ -3921,7 +3921,7 @@
           <a:p>
             <a:fld id="{1B5E5853-23B0-2344-8ED6-D2879B889C2E}" type="datetimeFigureOut">
               <a:rPr lang="en-US" smtClean="0"/>
-              <a:t>5/14/2024</a:t>
+              <a:t>6/24/24</a:t>
             </a:fld>
             <a:endParaRPr lang="en-US"/>
           </a:p>
@@ -4167,7 +4167,7 @@
           <a:p>
             <a:fld id="{1B5E5853-23B0-2344-8ED6-D2879B889C2E}" type="datetimeFigureOut">
               <a:rPr lang="en-US" smtClean="0"/>
-              <a:t>5/14/2024</a:t>
+              <a:t>6/24/24</a:t>
             </a:fld>
             <a:endParaRPr lang="en-US"/>
           </a:p>
@@ -4455,7 +4455,7 @@
           <a:p>
             <a:fld id="{1B5E5853-23B0-2344-8ED6-D2879B889C2E}" type="datetimeFigureOut">
               <a:rPr lang="en-US" smtClean="0"/>
-              <a:t>5/14/2024</a:t>
+              <a:t>6/24/24</a:t>
             </a:fld>
             <a:endParaRPr lang="en-US"/>
           </a:p>
@@ -4882,7 +4882,7 @@
           <a:p>
             <a:fld id="{1B5E5853-23B0-2344-8ED6-D2879B889C2E}" type="datetimeFigureOut">
               <a:rPr lang="en-US" smtClean="0"/>
-              <a:t>5/14/2024</a:t>
+              <a:t>6/24/24</a:t>
             </a:fld>
             <a:endParaRPr lang="en-US"/>
           </a:p>
@@ -5000,7 +5000,7 @@
           <a:p>
             <a:fld id="{1B5E5853-23B0-2344-8ED6-D2879B889C2E}" type="datetimeFigureOut">
               <a:rPr lang="en-US" smtClean="0"/>
-              <a:t>5/14/2024</a:t>
+              <a:t>6/24/24</a:t>
             </a:fld>
             <a:endParaRPr lang="en-US"/>
           </a:p>
@@ -5423,7 +5423,7 @@
           <a:p>
             <a:fld id="{1B5E5853-23B0-2344-8ED6-D2879B889C2E}" type="datetimeFigureOut">
               <a:rPr lang="en-US" smtClean="0"/>
-              <a:t>5/14/2024</a:t>
+              <a:t>6/24/24</a:t>
             </a:fld>
             <a:endParaRPr lang="en-US"/>
           </a:p>
@@ -5700,7 +5700,7 @@
           <a:p>
             <a:fld id="{1B5E5853-23B0-2344-8ED6-D2879B889C2E}" type="datetimeFigureOut">
               <a:rPr lang="en-US" smtClean="0"/>
-              <a:t>5/14/2024</a:t>
+              <a:t>6/24/24</a:t>
             </a:fld>
             <a:endParaRPr lang="en-US"/>
           </a:p>
@@ -5953,7 +5953,7 @@
           <a:p>
             <a:fld id="{1B5E5853-23B0-2344-8ED6-D2879B889C2E}" type="datetimeFigureOut">
               <a:rPr lang="en-US" smtClean="0"/>
-              <a:t>5/14/2024</a:t>
+              <a:t>6/24/24</a:t>
             </a:fld>
             <a:endParaRPr lang="en-US"/>
           </a:p>
@@ -6123,7 +6123,7 @@
           <a:p>
             <a:fld id="{1B5E5853-23B0-2344-8ED6-D2879B889C2E}" type="datetimeFigureOut">
               <a:rPr lang="en-US" smtClean="0"/>
-              <a:t>5/14/2024</a:t>
+              <a:t>6/24/24</a:t>
             </a:fld>
             <a:endParaRPr lang="en-US"/>
           </a:p>
@@ -6303,7 +6303,7 @@
           <a:p>
             <a:fld id="{1B5E5853-23B0-2344-8ED6-D2879B889C2E}" type="datetimeFigureOut">
               <a:rPr lang="en-US" smtClean="0"/>
-              <a:t>5/14/2024</a:t>
+              <a:t>6/24/24</a:t>
             </a:fld>
             <a:endParaRPr lang="en-US"/>
           </a:p>
@@ -9240,7 +9240,7 @@
           <a:p>
             <a:fld id="{1B5E5853-23B0-2344-8ED6-D2879B889C2E}" type="datetimeFigureOut">
               <a:rPr lang="en-US" smtClean="0"/>
-              <a:t>5/14/2024</a:t>
+              <a:t>6/24/24</a:t>
             </a:fld>
             <a:endParaRPr lang="en-US"/>
           </a:p>
@@ -10383,208 +10383,42 @@
           <a:lstStyle/>
           <a:p>
             <a:r>
-              <a:rPr lang="en-US"/>
-              <a:t>Upcoming Accelerate Events</a:t>
-            </a:r>
-          </a:p>
-        </p:txBody>
-      </p:sp>
-      <p:sp>
-        <p:nvSpPr>
-          <p:cNvPr id="4" name="Text Placeholder 3">
+              <a:rPr lang="en-US" dirty="0"/>
+              <a:t>Other Accelerate Material</a:t>
+            </a:r>
+          </a:p>
+        </p:txBody>
+      </p:sp>
+      <p:pic>
+        <p:nvPicPr>
+          <p:cNvPr id="3" name="Picture 2">
             <a:extLst>
               <a:ext uri="{FF2B5EF4-FFF2-40B4-BE49-F238E27FC236}">
-                <a16:creationId xmlns:a16="http://schemas.microsoft.com/office/drawing/2014/main" id="{57A9CBC7-CACD-EEBC-6EB0-B9722DE75A57}"/>
+                <a16:creationId xmlns:a16="http://schemas.microsoft.com/office/drawing/2014/main" id="{F71E0B22-DD91-900C-37E0-725FB331B92D}"/>
               </a:ext>
             </a:extLst>
           </p:cNvPr>
-          <p:cNvSpPr>
-            <a:spLocks noGrp="1"/>
-          </p:cNvSpPr>
-          <p:nvPr>
-            <p:ph type="body" sz="quarter" idx="12"/>
-          </p:nvPr>
-        </p:nvSpPr>
-        <p:spPr>
-          <a:xfrm>
-            <a:off x="377744" y="976393"/>
-            <a:ext cx="8382000" cy="3513312"/>
-          </a:xfrm>
-        </p:spPr>
-        <p:txBody>
-          <a:bodyPr vert="horz" lIns="91440" tIns="45720" rIns="91440" bIns="45720" rtlCol="0" anchor="t">
-            <a:normAutofit/>
-          </a:bodyPr>
-          <a:lstStyle/>
-          <a:p>
-            <a:r>
-              <a:rPr lang="en-US" dirty="0">
-                <a:solidFill>
-                  <a:srgbClr val="404040"/>
-                </a:solidFill>
-              </a:rPr>
-              <a:t>This term:</a:t>
-            </a:r>
-            <a:endParaRPr lang="en-US" dirty="0">
-              <a:solidFill>
-                <a:srgbClr val="595959"/>
-              </a:solidFill>
-            </a:endParaRPr>
-          </a:p>
-          <a:p>
-            <a:pPr lvl="1"/>
-            <a:r>
-              <a:rPr lang="en-US" dirty="0">
-                <a:solidFill>
-                  <a:srgbClr val="404040"/>
-                </a:solidFill>
-              </a:rPr>
-              <a:t>Diffusion Models workshop June 20th</a:t>
-            </a:r>
-            <a:endParaRPr lang="en-US" dirty="0"/>
-          </a:p>
-          <a:p>
-            <a:r>
-              <a:rPr lang="en-US" dirty="0">
-                <a:solidFill>
-                  <a:srgbClr val="404040"/>
-                </a:solidFill>
-              </a:rPr>
-              <a:t>Next term:</a:t>
-            </a:r>
-            <a:endParaRPr lang="en-US" dirty="0">
-              <a:solidFill>
-                <a:srgbClr val="595959"/>
-              </a:solidFill>
-              <a:latin typeface="Helvetica Light"/>
-            </a:endParaRPr>
-          </a:p>
-          <a:p>
-            <a:pPr lvl="1"/>
-            <a:r>
-              <a:rPr lang="en-US" dirty="0">
-                <a:solidFill>
-                  <a:srgbClr val="404040"/>
-                </a:solidFill>
-              </a:rPr>
-              <a:t>Hands-on ML workshop</a:t>
-            </a:r>
-            <a:endParaRPr lang="en-US" dirty="0">
-              <a:solidFill>
-                <a:srgbClr val="595959"/>
-              </a:solidFill>
-            </a:endParaRPr>
-          </a:p>
-          <a:p>
-            <a:pPr lvl="1"/>
-            <a:r>
-              <a:rPr lang="en-US" dirty="0">
-                <a:solidFill>
-                  <a:srgbClr val="404040"/>
-                </a:solidFill>
-              </a:rPr>
-              <a:t>LLM workshop</a:t>
-            </a:r>
-          </a:p>
-          <a:p>
-            <a:pPr lvl="1"/>
-            <a:r>
-              <a:rPr lang="en-US" dirty="0">
-                <a:solidFill>
-                  <a:srgbClr val="404040"/>
-                </a:solidFill>
-              </a:rPr>
-              <a:t>Publishing and Packaging Software</a:t>
-            </a:r>
-          </a:p>
-          <a:p>
-            <a:r>
-              <a:rPr lang="en-US" dirty="0">
-                <a:solidFill>
-                  <a:srgbClr val="404040"/>
-                </a:solidFill>
-              </a:rPr>
-              <a:t>AI Clinic &amp; Café</a:t>
-            </a:r>
-          </a:p>
-          <a:p>
-            <a:pPr lvl="1"/>
-            <a:r>
-              <a:rPr lang="en-US" dirty="0">
-                <a:solidFill>
-                  <a:srgbClr val="404040"/>
-                </a:solidFill>
-              </a:rPr>
-              <a:t>West Hub May 20th</a:t>
-            </a:r>
-          </a:p>
-          <a:p>
-            <a:pPr lvl="1"/>
-            <a:r>
-              <a:rPr lang="en-US" dirty="0">
-                <a:solidFill>
-                  <a:srgbClr val="404040"/>
-                </a:solidFill>
-              </a:rPr>
-              <a:t>Submit your tickets for help with ML and software issues</a:t>
-            </a:r>
-            <a:endParaRPr lang="en-US" dirty="0"/>
-          </a:p>
-          <a:p>
-            <a:pPr lvl="1"/>
-            <a:r>
-              <a:rPr lang="en-US" dirty="0">
-                <a:solidFill>
-                  <a:srgbClr val="404040"/>
-                </a:solidFill>
-              </a:rPr>
-              <a:t>Host a café in your department</a:t>
-            </a:r>
-          </a:p>
-          <a:p>
-            <a:r>
-              <a:rPr lang="en-US" dirty="0"/>
-              <a:t>AI Summit</a:t>
-            </a:r>
-          </a:p>
-          <a:p>
-            <a:pPr lvl="1"/>
-            <a:r>
-              <a:rPr lang="en-US" dirty="0">
-                <a:solidFill>
-                  <a:srgbClr val="404040"/>
-                </a:solidFill>
-              </a:rPr>
-              <a:t>November or December</a:t>
-            </a:r>
-          </a:p>
-          <a:p>
-            <a:r>
-              <a:rPr lang="en-US" dirty="0"/>
-              <a:t>Funding call with C2D3, up to £25k, to be launched on Monday</a:t>
-            </a:r>
-          </a:p>
-          <a:p>
-            <a:pPr lvl="1"/>
-            <a:r>
-              <a:rPr lang="en-US" dirty="0">
-                <a:solidFill>
-                  <a:srgbClr val="404040"/>
-                </a:solidFill>
-                <a:cs typeface="Helvetica"/>
-              </a:rPr>
-              <a:t>"Pursuing innovative applications of AI in research and real world contexts"</a:t>
-            </a:r>
-          </a:p>
-          <a:p>
-            <a:endParaRPr lang="en-US">
-              <a:solidFill>
-                <a:srgbClr val="404040"/>
-              </a:solidFill>
-            </a:endParaRPr>
-          </a:p>
-        </p:txBody>
-      </p:sp>
+          <p:cNvPicPr>
+            <a:picLocks noChangeAspect="1"/>
+          </p:cNvPicPr>
+          <p:nvPr/>
+        </p:nvPicPr>
+        <p:blipFill>
+          <a:blip r:embed="rId3"/>
+          <a:stretch>
+            <a:fillRect/>
+          </a:stretch>
+        </p:blipFill>
+        <p:spPr>
+          <a:xfrm>
+            <a:off x="682544" y="976393"/>
+            <a:ext cx="7772400" cy="3772158"/>
+          </a:xfrm>
+          <a:prstGeom prst="rect">
+            <a:avLst/>
+          </a:prstGeom>
+        </p:spPr>
+      </p:pic>
     </p:spTree>
     <p:extLst>
       <p:ext uri="{BB962C8B-B14F-4D97-AF65-F5344CB8AC3E}">

--- a/Slides/6_WrapUp.pptx
+++ b/Slides/6_WrapUp.pptx
@@ -5,7 +5,7 @@
     <p:sldMasterId id="2147483648" r:id="rId1"/>
   </p:sldMasterIdLst>
   <p:notesMasterIdLst>
-    <p:notesMasterId r:id="rId8"/>
+    <p:notesMasterId r:id="rId10"/>
   </p:notesMasterIdLst>
   <p:sldIdLst>
     <p:sldId id="319" r:id="rId2"/>
@@ -14,6 +14,8 @@
     <p:sldId id="338" r:id="rId5"/>
     <p:sldId id="339" r:id="rId6"/>
     <p:sldId id="336" r:id="rId7"/>
+    <p:sldId id="354" r:id="rId8"/>
+    <p:sldId id="361" r:id="rId9"/>
   </p:sldIdLst>
   <p:sldSz cx="9144000" cy="5143500" type="screen16x9"/>
   <p:notesSz cx="6858000" cy="9144000"/>
@@ -1925,6 +1927,132 @@
 </p:notes>
 </file>
 
+<file path=ppt/notesSlides/notesSlide6.xml><?xml version="1.0" encoding="utf-8"?>
+<p:notes xmlns:a="http://schemas.openxmlformats.org/drawingml/2006/main" xmlns:r="http://schemas.openxmlformats.org/officeDocument/2006/relationships" xmlns:p="http://schemas.openxmlformats.org/presentationml/2006/main">
+  <p:cSld>
+    <p:spTree>
+      <p:nvGrpSpPr>
+        <p:cNvPr id="1" name=""/>
+        <p:cNvGrpSpPr/>
+        <p:nvPr/>
+      </p:nvGrpSpPr>
+      <p:grpSpPr>
+        <a:xfrm>
+          <a:off x="0" y="0"/>
+          <a:ext cx="0" cy="0"/>
+          <a:chOff x="0" y="0"/>
+          <a:chExt cx="0" cy="0"/>
+        </a:xfrm>
+      </p:grpSpPr>
+      <p:sp>
+        <p:nvSpPr>
+          <p:cNvPr id="2" name="Slide Image Placeholder 1"/>
+          <p:cNvSpPr>
+            <a:spLocks noGrp="1" noRot="1" noChangeAspect="1"/>
+          </p:cNvSpPr>
+          <p:nvPr>
+            <p:ph type="sldImg"/>
+          </p:nvPr>
+        </p:nvSpPr>
+        <p:spPr/>
+      </p:sp>
+      <p:sp>
+        <p:nvSpPr>
+          <p:cNvPr id="3" name="Notes Placeholder 2"/>
+          <p:cNvSpPr>
+            <a:spLocks noGrp="1"/>
+          </p:cNvSpPr>
+          <p:nvPr>
+            <p:ph type="body" idx="1"/>
+          </p:nvPr>
+        </p:nvSpPr>
+        <p:spPr/>
+        <p:txBody>
+          <a:bodyPr/>
+          <a:lstStyle/>
+          <a:p>
+            <a:r>
+              <a:rPr lang="en-US" dirty="0"/>
+              <a:t>By the end of the session today, I’m hoping that we can get at least a general idea of what these steps mean, without really caring too much about the mathematical detail…I’ll briefly explain the left hand algorithm now. It might not make too much sense immediately, but hopefully, later on, it should.</a:t>
+            </a:r>
+          </a:p>
+          <a:p>
+            <a:endParaRPr lang="en-US" dirty="0"/>
+          </a:p>
+          <a:p>
+            <a:pPr marL="228600" indent="-228600">
+              <a:buAutoNum type="arabicPeriod"/>
+            </a:pPr>
+            <a:r>
+              <a:rPr lang="en-US" dirty="0"/>
+              <a:t>Get a random training sample</a:t>
+            </a:r>
+          </a:p>
+          <a:p>
+            <a:pPr marL="228600" indent="-228600">
+              <a:buAutoNum type="arabicPeriod"/>
+            </a:pPr>
+            <a:r>
+              <a:rPr lang="en-US" dirty="0"/>
+              <a:t>Draw a timestep uniformly at random from [1, T]</a:t>
+            </a:r>
+          </a:p>
+          <a:p>
+            <a:pPr marL="228600" indent="-228600">
+              <a:buAutoNum type="arabicPeriod"/>
+            </a:pPr>
+            <a:r>
+              <a:rPr lang="en-US" dirty="0"/>
+              <a:t>Generate some noise from a normal distribution</a:t>
+            </a:r>
+          </a:p>
+          <a:p>
+            <a:pPr marL="228600" indent="-228600">
+              <a:buAutoNum type="arabicPeriod"/>
+            </a:pPr>
+            <a:r>
+              <a:rPr lang="en-US" dirty="0"/>
+              <a:t>Feed your image plus noise into the model. The model will then try this noise value</a:t>
+            </a:r>
+          </a:p>
+        </p:txBody>
+      </p:sp>
+      <p:sp>
+        <p:nvSpPr>
+          <p:cNvPr id="4" name="Slide Number Placeholder 3"/>
+          <p:cNvSpPr>
+            <a:spLocks noGrp="1"/>
+          </p:cNvSpPr>
+          <p:nvPr>
+            <p:ph type="sldNum" sz="quarter" idx="5"/>
+          </p:nvPr>
+        </p:nvSpPr>
+        <p:spPr/>
+        <p:txBody>
+          <a:bodyPr/>
+          <a:lstStyle/>
+          <a:p>
+            <a:fld id="{E09570AA-56A7-9C41-A123-AA2EDF5A67D8}" type="slidenum">
+              <a:rPr lang="en-US" smtClean="0"/>
+              <a:t>7</a:t>
+            </a:fld>
+            <a:endParaRPr lang="en-US"/>
+          </a:p>
+        </p:txBody>
+      </p:sp>
+    </p:spTree>
+    <p:extLst>
+      <p:ext uri="{BB962C8B-B14F-4D97-AF65-F5344CB8AC3E}">
+        <p14:creationId xmlns:p14="http://schemas.microsoft.com/office/powerpoint/2010/main" val="3402718881"/>
+      </p:ext>
+    </p:extLst>
+  </p:cSld>
+  <p:clrMapOvr>
+    <a:masterClrMapping/>
+  </p:clrMapOvr>
+</p:notes>
+</file>
+
 <file path=ppt/slideLayouts/slideLayout1.xml><?xml version="1.0" encoding="utf-8"?>
 <p:sldLayout xmlns:a="http://schemas.openxmlformats.org/drawingml/2006/main" xmlns:r="http://schemas.openxmlformats.org/officeDocument/2006/relationships" xmlns:p="http://schemas.openxmlformats.org/presentationml/2006/main" preserve="1" userDrawn="1">
   <p:cSld name="Title slide y">
@@ -10429,6 +10557,714 @@
   <p:clrMapOvr>
     <a:masterClrMapping/>
   </p:clrMapOvr>
+</p:sld>
+</file>
+
+<file path=ppt/slides/slide7.xml><?xml version="1.0" encoding="utf-8"?>
+<p:sld xmlns:a="http://schemas.openxmlformats.org/drawingml/2006/main" xmlns:r="http://schemas.openxmlformats.org/officeDocument/2006/relationships" xmlns:p="http://schemas.openxmlformats.org/presentationml/2006/main">
+  <p:cSld>
+    <p:spTree>
+      <p:nvGrpSpPr>
+        <p:cNvPr id="1" name=""/>
+        <p:cNvGrpSpPr/>
+        <p:nvPr/>
+      </p:nvGrpSpPr>
+      <p:grpSpPr>
+        <a:xfrm>
+          <a:off x="0" y="0"/>
+          <a:ext cx="0" cy="0"/>
+          <a:chOff x="0" y="0"/>
+          <a:chExt cx="0" cy="0"/>
+        </a:xfrm>
+      </p:grpSpPr>
+      <p:sp>
+        <p:nvSpPr>
+          <p:cNvPr id="2" name="Text Placeholder 1">
+            <a:extLst>
+              <a:ext uri="{FF2B5EF4-FFF2-40B4-BE49-F238E27FC236}">
+                <a16:creationId xmlns:a16="http://schemas.microsoft.com/office/drawing/2014/main" id="{BD552F72-01AD-0C2A-6341-EEBA910FA70E}"/>
+              </a:ext>
+            </a:extLst>
+          </p:cNvPr>
+          <p:cNvSpPr>
+            <a:spLocks noGrp="1"/>
+          </p:cNvSpPr>
+          <p:nvPr>
+            <p:ph type="body" sz="quarter" idx="10"/>
+          </p:nvPr>
+        </p:nvSpPr>
+        <p:spPr/>
+        <p:txBody>
+          <a:bodyPr/>
+          <a:lstStyle/>
+          <a:p>
+            <a:r>
+              <a:rPr lang="en-US" dirty="0"/>
+              <a:t>Diffusion Models</a:t>
+            </a:r>
+          </a:p>
+        </p:txBody>
+      </p:sp>
+      <p:sp>
+        <p:nvSpPr>
+          <p:cNvPr id="3" name="Text Placeholder 2">
+            <a:extLst>
+              <a:ext uri="{FF2B5EF4-FFF2-40B4-BE49-F238E27FC236}">
+                <a16:creationId xmlns:a16="http://schemas.microsoft.com/office/drawing/2014/main" id="{26D8618F-B219-F88A-FB18-4FBF93FC2CB5}"/>
+              </a:ext>
+            </a:extLst>
+          </p:cNvPr>
+          <p:cNvSpPr>
+            <a:spLocks noGrp="1"/>
+          </p:cNvSpPr>
+          <p:nvPr>
+            <p:ph type="body" sz="quarter" idx="11"/>
+          </p:nvPr>
+        </p:nvSpPr>
+        <p:spPr/>
+        <p:txBody>
+          <a:bodyPr/>
+          <a:lstStyle/>
+          <a:p>
+            <a:r>
+              <a:rPr lang="en-US" dirty="0"/>
+              <a:t>Here is the algorithm for diffusion…</a:t>
+            </a:r>
+          </a:p>
+        </p:txBody>
+      </p:sp>
+      <p:pic>
+        <p:nvPicPr>
+          <p:cNvPr id="7" name="Picture 6" descr="A cat with a surprised expression&#10;&#10;Description automatically generated">
+            <a:extLst>
+              <a:ext uri="{FF2B5EF4-FFF2-40B4-BE49-F238E27FC236}">
+                <a16:creationId xmlns:a16="http://schemas.microsoft.com/office/drawing/2014/main" id="{DBE39655-0979-E841-A328-B3E014B95CE6}"/>
+              </a:ext>
+            </a:extLst>
+          </p:cNvPr>
+          <p:cNvPicPr>
+            <a:picLocks noChangeAspect="1"/>
+          </p:cNvPicPr>
+          <p:nvPr/>
+        </p:nvPicPr>
+        <p:blipFill>
+          <a:blip r:embed="rId3"/>
+          <a:stretch>
+            <a:fillRect/>
+          </a:stretch>
+        </p:blipFill>
+        <p:spPr>
+          <a:xfrm>
+            <a:off x="3032686" y="79954"/>
+            <a:ext cx="2743200" cy="2057400"/>
+          </a:xfrm>
+          <a:prstGeom prst="rect">
+            <a:avLst/>
+          </a:prstGeom>
+        </p:spPr>
+      </p:pic>
+      <p:pic>
+        <p:nvPicPr>
+          <p:cNvPr id="5" name="Picture 4">
+            <a:extLst>
+              <a:ext uri="{FF2B5EF4-FFF2-40B4-BE49-F238E27FC236}">
+                <a16:creationId xmlns:a16="http://schemas.microsoft.com/office/drawing/2014/main" id="{F9F3ACB4-526D-B338-0286-FB5ACD372CB2}"/>
+              </a:ext>
+            </a:extLst>
+          </p:cNvPr>
+          <p:cNvPicPr>
+            <a:picLocks noChangeAspect="1"/>
+          </p:cNvPicPr>
+          <p:nvPr/>
+        </p:nvPicPr>
+        <p:blipFill>
+          <a:blip r:embed="rId4"/>
+          <a:stretch>
+            <a:fillRect/>
+          </a:stretch>
+        </p:blipFill>
+        <p:spPr>
+          <a:xfrm>
+            <a:off x="372743" y="1525321"/>
+            <a:ext cx="8387002" cy="2092859"/>
+          </a:xfrm>
+          <a:prstGeom prst="rect">
+            <a:avLst/>
+          </a:prstGeom>
+        </p:spPr>
+      </p:pic>
+      <p:sp>
+        <p:nvSpPr>
+          <p:cNvPr id="4" name="Rectangle 3">
+            <a:extLst>
+              <a:ext uri="{FF2B5EF4-FFF2-40B4-BE49-F238E27FC236}">
+                <a16:creationId xmlns:a16="http://schemas.microsoft.com/office/drawing/2014/main" id="{D5DB51BD-790A-E57F-B21E-40176F3B8F6E}"/>
+              </a:ext>
+            </a:extLst>
+          </p:cNvPr>
+          <p:cNvSpPr/>
+          <p:nvPr/>
+        </p:nvSpPr>
+        <p:spPr>
+          <a:xfrm>
+            <a:off x="384256" y="1525321"/>
+            <a:ext cx="8375489" cy="2092859"/>
+          </a:xfrm>
+          <a:prstGeom prst="rect">
+            <a:avLst/>
+          </a:prstGeom>
+          <a:solidFill>
+            <a:schemeClr val="accent1">
+              <a:alpha val="20145"/>
+            </a:schemeClr>
+          </a:solidFill>
+        </p:spPr>
+        <p:style>
+          <a:lnRef idx="2">
+            <a:schemeClr val="accent1">
+              <a:shade val="15000"/>
+            </a:schemeClr>
+          </a:lnRef>
+          <a:fillRef idx="1">
+            <a:schemeClr val="accent1"/>
+          </a:fillRef>
+          <a:effectRef idx="0">
+            <a:schemeClr val="accent1"/>
+          </a:effectRef>
+          <a:fontRef idx="minor">
+            <a:schemeClr val="lt1"/>
+          </a:fontRef>
+        </p:style>
+        <p:txBody>
+          <a:bodyPr rtlCol="0" anchor="ctr"/>
+          <a:lstStyle/>
+          <a:p>
+            <a:pPr algn="ctr"/>
+            <a:endParaRPr lang="en-US" sz="1350"/>
+          </a:p>
+        </p:txBody>
+      </p:sp>
+    </p:spTree>
+    <p:extLst>
+      <p:ext uri="{BB962C8B-B14F-4D97-AF65-F5344CB8AC3E}">
+        <p14:creationId xmlns:p14="http://schemas.microsoft.com/office/powerpoint/2010/main" val="1473051902"/>
+      </p:ext>
+    </p:extLst>
+  </p:cSld>
+  <p:clrMapOvr>
+    <a:masterClrMapping/>
+  </p:clrMapOvr>
+  <p:timing>
+    <p:tnLst>
+      <p:par>
+        <p:cTn id="1" dur="indefinite" restart="never" nodeType="tmRoot">
+          <p:childTnLst>
+            <p:seq concurrent="1" nextAc="seek">
+              <p:cTn id="2" dur="indefinite" nodeType="mainSeq">
+                <p:childTnLst>
+                  <p:par>
+                    <p:cTn id="3" fill="hold">
+                      <p:stCondLst>
+                        <p:cond delay="indefinite"/>
+                      </p:stCondLst>
+                      <p:childTnLst>
+                        <p:par>
+                          <p:cTn id="4" fill="hold">
+                            <p:stCondLst>
+                              <p:cond delay="0"/>
+                            </p:stCondLst>
+                            <p:childTnLst>
+                              <p:par>
+                                <p:cTn id="5" presetID="1" presetClass="entr" presetSubtype="0" fill="hold" nodeType="clickEffect">
+                                  <p:stCondLst>
+                                    <p:cond delay="0"/>
+                                  </p:stCondLst>
+                                  <p:childTnLst>
+                                    <p:set>
+                                      <p:cBhvr>
+                                        <p:cTn id="6" dur="1" fill="hold">
+                                          <p:stCondLst>
+                                            <p:cond delay="0"/>
+                                          </p:stCondLst>
+                                        </p:cTn>
+                                        <p:tgtEl>
+                                          <p:spTgt spid="5"/>
+                                        </p:tgtEl>
+                                        <p:attrNameLst>
+                                          <p:attrName>style.visibility</p:attrName>
+                                        </p:attrNameLst>
+                                      </p:cBhvr>
+                                      <p:to>
+                                        <p:strVal val="visible"/>
+                                      </p:to>
+                                    </p:set>
+                                  </p:childTnLst>
+                                </p:cTn>
+                              </p:par>
+                            </p:childTnLst>
+                          </p:cTn>
+                        </p:par>
+                      </p:childTnLst>
+                    </p:cTn>
+                  </p:par>
+                  <p:par>
+                    <p:cTn id="7" fill="hold">
+                      <p:stCondLst>
+                        <p:cond delay="indefinite"/>
+                      </p:stCondLst>
+                      <p:childTnLst>
+                        <p:par>
+                          <p:cTn id="8" fill="hold">
+                            <p:stCondLst>
+                              <p:cond delay="0"/>
+                            </p:stCondLst>
+                            <p:childTnLst>
+                              <p:par>
+                                <p:cTn id="9" presetID="1" presetClass="entr" presetSubtype="0" fill="hold" nodeType="clickEffect">
+                                  <p:stCondLst>
+                                    <p:cond delay="0"/>
+                                  </p:stCondLst>
+                                  <p:childTnLst>
+                                    <p:set>
+                                      <p:cBhvr>
+                                        <p:cTn id="10" dur="1" fill="hold">
+                                          <p:stCondLst>
+                                            <p:cond delay="0"/>
+                                          </p:stCondLst>
+                                        </p:cTn>
+                                        <p:tgtEl>
+                                          <p:spTgt spid="7"/>
+                                        </p:tgtEl>
+                                        <p:attrNameLst>
+                                          <p:attrName>style.visibility</p:attrName>
+                                        </p:attrNameLst>
+                                      </p:cBhvr>
+                                      <p:to>
+                                        <p:strVal val="visible"/>
+                                      </p:to>
+                                    </p:set>
+                                  </p:childTnLst>
+                                </p:cTn>
+                              </p:par>
+                            </p:childTnLst>
+                          </p:cTn>
+                        </p:par>
+                      </p:childTnLst>
+                    </p:cTn>
+                  </p:par>
+                </p:childTnLst>
+              </p:cTn>
+              <p:prevCondLst>
+                <p:cond evt="onPrev" delay="0">
+                  <p:tgtEl>
+                    <p:sldTgt/>
+                  </p:tgtEl>
+                </p:cond>
+              </p:prevCondLst>
+              <p:nextCondLst>
+                <p:cond evt="onNext" delay="0">
+                  <p:tgtEl>
+                    <p:sldTgt/>
+                  </p:tgtEl>
+                </p:cond>
+              </p:nextCondLst>
+            </p:seq>
+          </p:childTnLst>
+        </p:cTn>
+      </p:par>
+    </p:tnLst>
+  </p:timing>
+</p:sld>
+</file>
+
+<file path=ppt/slides/slide8.xml><?xml version="1.0" encoding="utf-8"?>
+<p:sld xmlns:a="http://schemas.openxmlformats.org/drawingml/2006/main" xmlns:r="http://schemas.openxmlformats.org/officeDocument/2006/relationships" xmlns:p="http://schemas.openxmlformats.org/presentationml/2006/main">
+  <p:cSld>
+    <p:spTree>
+      <p:nvGrpSpPr>
+        <p:cNvPr id="1" name=""/>
+        <p:cNvGrpSpPr/>
+        <p:nvPr/>
+      </p:nvGrpSpPr>
+      <p:grpSpPr>
+        <a:xfrm>
+          <a:off x="0" y="0"/>
+          <a:ext cx="0" cy="0"/>
+          <a:chOff x="0" y="0"/>
+          <a:chExt cx="0" cy="0"/>
+        </a:xfrm>
+      </p:grpSpPr>
+      <p:sp>
+        <p:nvSpPr>
+          <p:cNvPr id="2" name="Text Placeholder 1">
+            <a:extLst>
+              <a:ext uri="{FF2B5EF4-FFF2-40B4-BE49-F238E27FC236}">
+                <a16:creationId xmlns:a16="http://schemas.microsoft.com/office/drawing/2014/main" id="{10C4F150-AF88-9792-9D72-8E2A67F3294E}"/>
+              </a:ext>
+            </a:extLst>
+          </p:cNvPr>
+          <p:cNvSpPr>
+            <a:spLocks noGrp="1"/>
+          </p:cNvSpPr>
+          <p:nvPr>
+            <p:ph type="body" sz="quarter" idx="10"/>
+          </p:nvPr>
+        </p:nvSpPr>
+        <p:spPr/>
+        <p:txBody>
+          <a:bodyPr/>
+          <a:lstStyle/>
+          <a:p>
+            <a:r>
+              <a:rPr lang="en-US" dirty="0"/>
+              <a:t>Diffusion Models</a:t>
+            </a:r>
+          </a:p>
+        </p:txBody>
+      </p:sp>
+      <p:sp>
+        <p:nvSpPr>
+          <p:cNvPr id="3" name="Text Placeholder 2">
+            <a:extLst>
+              <a:ext uri="{FF2B5EF4-FFF2-40B4-BE49-F238E27FC236}">
+                <a16:creationId xmlns:a16="http://schemas.microsoft.com/office/drawing/2014/main" id="{DED8CFD8-D23C-256F-D27A-FF2184CF6CE5}"/>
+              </a:ext>
+            </a:extLst>
+          </p:cNvPr>
+          <p:cNvSpPr>
+            <a:spLocks noGrp="1"/>
+          </p:cNvSpPr>
+          <p:nvPr>
+            <p:ph type="body" sz="quarter" idx="11"/>
+          </p:nvPr>
+        </p:nvSpPr>
+        <p:spPr>
+          <a:xfrm>
+            <a:off x="377744" y="859506"/>
+            <a:ext cx="4065047" cy="449572"/>
+          </a:xfrm>
+        </p:spPr>
+        <p:txBody>
+          <a:bodyPr/>
+          <a:lstStyle/>
+          <a:p>
+            <a:r>
+              <a:rPr lang="en-US" dirty="0"/>
+              <a:t>Perhaps this makes more sense…</a:t>
+            </a:r>
+          </a:p>
+        </p:txBody>
+      </p:sp>
+      <p:pic>
+        <p:nvPicPr>
+          <p:cNvPr id="3074" name="Picture 2" descr="What Are Stable Diffusion Models And Why Are They A Step, 56% OFF">
+            <a:extLst>
+              <a:ext uri="{FF2B5EF4-FFF2-40B4-BE49-F238E27FC236}">
+                <a16:creationId xmlns:a16="http://schemas.microsoft.com/office/drawing/2014/main" id="{B892DB86-5647-93E1-734B-7DF7EB4B6671}"/>
+              </a:ext>
+            </a:extLst>
+          </p:cNvPr>
+          <p:cNvPicPr>
+            <a:picLocks noChangeAspect="1" noChangeArrowheads="1"/>
+          </p:cNvPicPr>
+          <p:nvPr/>
+        </p:nvPicPr>
+        <p:blipFill>
+          <a:blip r:embed="rId2">
+            <a:extLst>
+              <a:ext uri="{28A0092B-C50C-407E-A947-70E740481C1C}">
+                <a14:useLocalDpi xmlns:a14="http://schemas.microsoft.com/office/drawing/2010/main" val="0"/>
+              </a:ext>
+            </a:extLst>
+          </a:blip>
+          <a:srcRect/>
+          <a:stretch>
+            <a:fillRect/>
+          </a:stretch>
+        </p:blipFill>
+        <p:spPr bwMode="auto">
+          <a:xfrm>
+            <a:off x="1345484" y="1309078"/>
+            <a:ext cx="6446520" cy="3253478"/>
+          </a:xfrm>
+          <a:prstGeom prst="rect">
+            <a:avLst/>
+          </a:prstGeom>
+          <a:noFill/>
+          <a:extLst>
+            <a:ext uri="{909E8E84-426E-40DD-AFC4-6F175D3DCCD1}">
+              <a14:hiddenFill xmlns:a14="http://schemas.microsoft.com/office/drawing/2010/main">
+                <a:solidFill>
+                  <a:srgbClr val="FFFFFF"/>
+                </a:solidFill>
+              </a14:hiddenFill>
+            </a:ext>
+          </a:extLst>
+        </p:spPr>
+      </p:pic>
+      <p:sp>
+        <p:nvSpPr>
+          <p:cNvPr id="4" name="Text Placeholder 2">
+            <a:extLst>
+              <a:ext uri="{FF2B5EF4-FFF2-40B4-BE49-F238E27FC236}">
+                <a16:creationId xmlns:a16="http://schemas.microsoft.com/office/drawing/2014/main" id="{55C1AA7B-8665-B031-C033-0D21FDF4244B}"/>
+              </a:ext>
+            </a:extLst>
+          </p:cNvPr>
+          <p:cNvSpPr txBox="1">
+            <a:spLocks/>
+          </p:cNvSpPr>
+          <p:nvPr/>
+        </p:nvSpPr>
+        <p:spPr>
+          <a:xfrm>
+            <a:off x="4442791" y="859506"/>
+            <a:ext cx="4065047" cy="449572"/>
+          </a:xfrm>
+          <a:prstGeom prst="rect">
+            <a:avLst/>
+          </a:prstGeom>
+        </p:spPr>
+        <p:txBody>
+          <a:bodyPr vert="horz" lIns="91440" tIns="45720" rIns="91440" bIns="45720" rtlCol="0">
+            <a:normAutofit/>
+          </a:bodyPr>
+          <a:lstStyle>
+            <a:lvl1pPr marL="0" indent="0" algn="l" defTabSz="457200" rtl="0" eaLnBrk="1" latinLnBrk="0" hangingPunct="1">
+              <a:spcBef>
+                <a:spcPct val="20000"/>
+              </a:spcBef>
+              <a:buFont typeface="Arial"/>
+              <a:buNone/>
+              <a:defRPr sz="2000" b="0" i="0" kern="1200" baseline="0">
+                <a:solidFill>
+                  <a:schemeClr val="tx1">
+                    <a:lumMod val="75000"/>
+                    <a:lumOff val="25000"/>
+                  </a:schemeClr>
+                </a:solidFill>
+                <a:latin typeface="Helvetica"/>
+                <a:ea typeface="+mn-ea"/>
+                <a:cs typeface="Helvetica"/>
+              </a:defRPr>
+            </a:lvl1pPr>
+            <a:lvl2pPr marL="742950" indent="-285750" algn="l" defTabSz="457200" rtl="0" eaLnBrk="1" latinLnBrk="0" hangingPunct="1">
+              <a:spcBef>
+                <a:spcPct val="20000"/>
+              </a:spcBef>
+              <a:buFont typeface="Arial"/>
+              <a:buChar char="–"/>
+              <a:defRPr sz="2800" kern="1200">
+                <a:solidFill>
+                  <a:schemeClr val="tx1"/>
+                </a:solidFill>
+                <a:latin typeface="Avenir Heavy"/>
+                <a:ea typeface="+mn-ea"/>
+                <a:cs typeface="Avenir Heavy"/>
+              </a:defRPr>
+            </a:lvl2pPr>
+            <a:lvl3pPr marL="1143000" indent="-228600" algn="l" defTabSz="457200" rtl="0" eaLnBrk="1" latinLnBrk="0" hangingPunct="1">
+              <a:spcBef>
+                <a:spcPct val="20000"/>
+              </a:spcBef>
+              <a:buFont typeface="Arial"/>
+              <a:buChar char="•"/>
+              <a:defRPr sz="2400" kern="1200">
+                <a:solidFill>
+                  <a:schemeClr val="tx1"/>
+                </a:solidFill>
+                <a:latin typeface="Avenir Heavy"/>
+                <a:ea typeface="+mn-ea"/>
+                <a:cs typeface="Avenir Heavy"/>
+              </a:defRPr>
+            </a:lvl3pPr>
+            <a:lvl4pPr marL="1600200" indent="-228600" algn="l" defTabSz="457200" rtl="0" eaLnBrk="1" latinLnBrk="0" hangingPunct="1">
+              <a:spcBef>
+                <a:spcPct val="20000"/>
+              </a:spcBef>
+              <a:buFont typeface="Arial"/>
+              <a:buChar char="–"/>
+              <a:defRPr sz="2000" kern="1200">
+                <a:solidFill>
+                  <a:schemeClr val="tx1"/>
+                </a:solidFill>
+                <a:latin typeface="Avenir Heavy"/>
+                <a:ea typeface="+mn-ea"/>
+                <a:cs typeface="Avenir Heavy"/>
+              </a:defRPr>
+            </a:lvl4pPr>
+            <a:lvl5pPr marL="2057400" indent="-228600" algn="l" defTabSz="457200" rtl="0" eaLnBrk="1" latinLnBrk="0" hangingPunct="1">
+              <a:spcBef>
+                <a:spcPct val="20000"/>
+              </a:spcBef>
+              <a:buFont typeface="Arial"/>
+              <a:buChar char="»"/>
+              <a:defRPr sz="2000" kern="1200">
+                <a:solidFill>
+                  <a:schemeClr val="tx1"/>
+                </a:solidFill>
+                <a:latin typeface="Avenir Heavy"/>
+                <a:ea typeface="+mn-ea"/>
+                <a:cs typeface="Avenir Heavy"/>
+              </a:defRPr>
+            </a:lvl5pPr>
+            <a:lvl6pPr marL="2514600" indent="-228600" algn="l" defTabSz="457200" rtl="0" eaLnBrk="1" latinLnBrk="0" hangingPunct="1">
+              <a:spcBef>
+                <a:spcPct val="20000"/>
+              </a:spcBef>
+              <a:buFont typeface="Arial"/>
+              <a:buChar char="•"/>
+              <a:defRPr sz="2000" kern="1200">
+                <a:solidFill>
+                  <a:schemeClr val="tx1"/>
+                </a:solidFill>
+                <a:latin typeface="+mn-lt"/>
+                <a:ea typeface="+mn-ea"/>
+                <a:cs typeface="+mn-cs"/>
+              </a:defRPr>
+            </a:lvl6pPr>
+            <a:lvl7pPr marL="2971800" indent="-228600" algn="l" defTabSz="457200" rtl="0" eaLnBrk="1" latinLnBrk="0" hangingPunct="1">
+              <a:spcBef>
+                <a:spcPct val="20000"/>
+              </a:spcBef>
+              <a:buFont typeface="Arial"/>
+              <a:buChar char="•"/>
+              <a:defRPr sz="2000" kern="1200">
+                <a:solidFill>
+                  <a:schemeClr val="tx1"/>
+                </a:solidFill>
+                <a:latin typeface="+mn-lt"/>
+                <a:ea typeface="+mn-ea"/>
+                <a:cs typeface="+mn-cs"/>
+              </a:defRPr>
+            </a:lvl7pPr>
+            <a:lvl8pPr marL="3429000" indent="-228600" algn="l" defTabSz="457200" rtl="0" eaLnBrk="1" latinLnBrk="0" hangingPunct="1">
+              <a:spcBef>
+                <a:spcPct val="20000"/>
+              </a:spcBef>
+              <a:buFont typeface="Arial"/>
+              <a:buChar char="•"/>
+              <a:defRPr sz="2000" kern="1200">
+                <a:solidFill>
+                  <a:schemeClr val="tx1"/>
+                </a:solidFill>
+                <a:latin typeface="+mn-lt"/>
+                <a:ea typeface="+mn-ea"/>
+                <a:cs typeface="+mn-cs"/>
+              </a:defRPr>
+            </a:lvl8pPr>
+            <a:lvl9pPr marL="3886200" indent="-228600" algn="l" defTabSz="457200" rtl="0" eaLnBrk="1" latinLnBrk="0" hangingPunct="1">
+              <a:spcBef>
+                <a:spcPct val="20000"/>
+              </a:spcBef>
+              <a:buFont typeface="Arial"/>
+              <a:buChar char="•"/>
+              <a:defRPr sz="2000" kern="1200">
+                <a:solidFill>
+                  <a:schemeClr val="tx1"/>
+                </a:solidFill>
+                <a:latin typeface="+mn-lt"/>
+                <a:ea typeface="+mn-ea"/>
+                <a:cs typeface="+mn-cs"/>
+              </a:defRPr>
+            </a:lvl9pPr>
+          </a:lstStyle>
+          <a:p>
+            <a:r>
+              <a:rPr lang="en-US" dirty="0"/>
+              <a:t>maybe not…</a:t>
+            </a:r>
+          </a:p>
+        </p:txBody>
+      </p:sp>
+    </p:spTree>
+    <p:extLst>
+      <p:ext uri="{BB962C8B-B14F-4D97-AF65-F5344CB8AC3E}">
+        <p14:creationId xmlns:p14="http://schemas.microsoft.com/office/powerpoint/2010/main" val="1437805086"/>
+      </p:ext>
+    </p:extLst>
+  </p:cSld>
+  <p:clrMapOvr>
+    <a:masterClrMapping/>
+  </p:clrMapOvr>
+  <p:timing>
+    <p:tnLst>
+      <p:par>
+        <p:cTn id="1" dur="indefinite" restart="never" nodeType="tmRoot">
+          <p:childTnLst>
+            <p:seq concurrent="1" nextAc="seek">
+              <p:cTn id="2" dur="indefinite" nodeType="mainSeq">
+                <p:childTnLst>
+                  <p:par>
+                    <p:cTn id="3" fill="hold">
+                      <p:stCondLst>
+                        <p:cond delay="indefinite"/>
+                      </p:stCondLst>
+                      <p:childTnLst>
+                        <p:par>
+                          <p:cTn id="4" fill="hold">
+                            <p:stCondLst>
+                              <p:cond delay="0"/>
+                            </p:stCondLst>
+                            <p:childTnLst>
+                              <p:par>
+                                <p:cTn id="5" presetID="1" presetClass="entr" presetSubtype="0" fill="hold" grpId="0" nodeType="clickEffect">
+                                  <p:stCondLst>
+                                    <p:cond delay="0"/>
+                                  </p:stCondLst>
+                                  <p:childTnLst>
+                                    <p:set>
+                                      <p:cBhvr>
+                                        <p:cTn id="6" dur="1" fill="hold">
+                                          <p:stCondLst>
+                                            <p:cond delay="0"/>
+                                          </p:stCondLst>
+                                        </p:cTn>
+                                        <p:tgtEl>
+                                          <p:spTgt spid="4"/>
+                                        </p:tgtEl>
+                                        <p:attrNameLst>
+                                          <p:attrName>style.visibility</p:attrName>
+                                        </p:attrNameLst>
+                                      </p:cBhvr>
+                                      <p:to>
+                                        <p:strVal val="visible"/>
+                                      </p:to>
+                                    </p:set>
+                                  </p:childTnLst>
+                                </p:cTn>
+                              </p:par>
+                            </p:childTnLst>
+                          </p:cTn>
+                        </p:par>
+                      </p:childTnLst>
+                    </p:cTn>
+                  </p:par>
+                </p:childTnLst>
+              </p:cTn>
+              <p:prevCondLst>
+                <p:cond evt="onPrev" delay="0">
+                  <p:tgtEl>
+                    <p:sldTgt/>
+                  </p:tgtEl>
+                </p:cond>
+              </p:prevCondLst>
+              <p:nextCondLst>
+                <p:cond evt="onNext" delay="0">
+                  <p:tgtEl>
+                    <p:sldTgt/>
+                  </p:tgtEl>
+                </p:cond>
+              </p:nextCondLst>
+            </p:seq>
+          </p:childTnLst>
+        </p:cTn>
+      </p:par>
+    </p:tnLst>
+    <p:bldLst>
+      <p:bldP spid="4" grpId="0"/>
+    </p:bldLst>
+  </p:timing>
 </p:sld>
 </file>
 

--- a/Slides/6_WrapUp.pptx
+++ b/Slides/6_WrapUp.pptx
@@ -5,7 +5,7 @@
     <p:sldMasterId id="2147483648" r:id="rId1"/>
   </p:sldMasterIdLst>
   <p:notesMasterIdLst>
-    <p:notesMasterId r:id="rId10"/>
+    <p:notesMasterId r:id="rId11"/>
   </p:notesMasterIdLst>
   <p:sldIdLst>
     <p:sldId id="319" r:id="rId2"/>
@@ -16,6 +16,7 @@
     <p:sldId id="336" r:id="rId7"/>
     <p:sldId id="354" r:id="rId8"/>
     <p:sldId id="361" r:id="rId9"/>
+    <p:sldId id="272" r:id="rId10"/>
   </p:sldIdLst>
   <p:sldSz cx="9144000" cy="5143500" type="screen16x9"/>
   <p:notesSz cx="6858000" cy="9144000"/>
@@ -589,7 +590,7 @@
           <a:p>
             <a:fld id="{C03C6563-76E9-3447-AC46-62A637AF2723}" type="datetimeFigureOut">
               <a:rPr lang="en-US" smtClean="0"/>
-              <a:t>6/24/24</a:t>
+              <a:t>10/2/24</a:t>
             </a:fld>
             <a:endParaRPr lang="en-US"/>
           </a:p>
@@ -3637,7 +3638,7 @@
           <a:p>
             <a:fld id="{1B5E5853-23B0-2344-8ED6-D2879B889C2E}" type="datetimeFigureOut">
               <a:rPr lang="en-US" smtClean="0"/>
-              <a:t>6/24/24</a:t>
+              <a:t>10/2/24</a:t>
             </a:fld>
             <a:endParaRPr lang="en-US"/>
           </a:p>
@@ -3879,7 +3880,7 @@
           <a:p>
             <a:fld id="{1B5E5853-23B0-2344-8ED6-D2879B889C2E}" type="datetimeFigureOut">
               <a:rPr lang="en-US" smtClean="0"/>
-              <a:t>6/24/24</a:t>
+              <a:t>10/2/24</a:t>
             </a:fld>
             <a:endParaRPr lang="en-US"/>
           </a:p>
@@ -4049,7 +4050,7 @@
           <a:p>
             <a:fld id="{1B5E5853-23B0-2344-8ED6-D2879B889C2E}" type="datetimeFigureOut">
               <a:rPr lang="en-US" smtClean="0"/>
-              <a:t>6/24/24</a:t>
+              <a:t>10/2/24</a:t>
             </a:fld>
             <a:endParaRPr lang="en-US"/>
           </a:p>
@@ -4295,7 +4296,7 @@
           <a:p>
             <a:fld id="{1B5E5853-23B0-2344-8ED6-D2879B889C2E}" type="datetimeFigureOut">
               <a:rPr lang="en-US" smtClean="0"/>
-              <a:t>6/24/24</a:t>
+              <a:t>10/2/24</a:t>
             </a:fld>
             <a:endParaRPr lang="en-US"/>
           </a:p>
@@ -4583,7 +4584,7 @@
           <a:p>
             <a:fld id="{1B5E5853-23B0-2344-8ED6-D2879B889C2E}" type="datetimeFigureOut">
               <a:rPr lang="en-US" smtClean="0"/>
-              <a:t>6/24/24</a:t>
+              <a:t>10/2/24</a:t>
             </a:fld>
             <a:endParaRPr lang="en-US"/>
           </a:p>
@@ -5010,7 +5011,7 @@
           <a:p>
             <a:fld id="{1B5E5853-23B0-2344-8ED6-D2879B889C2E}" type="datetimeFigureOut">
               <a:rPr lang="en-US" smtClean="0"/>
-              <a:t>6/24/24</a:t>
+              <a:t>10/2/24</a:t>
             </a:fld>
             <a:endParaRPr lang="en-US"/>
           </a:p>
@@ -5128,7 +5129,7 @@
           <a:p>
             <a:fld id="{1B5E5853-23B0-2344-8ED6-D2879B889C2E}" type="datetimeFigureOut">
               <a:rPr lang="en-US" smtClean="0"/>
-              <a:t>6/24/24</a:t>
+              <a:t>10/2/24</a:t>
             </a:fld>
             <a:endParaRPr lang="en-US"/>
           </a:p>
@@ -5551,7 +5552,7 @@
           <a:p>
             <a:fld id="{1B5E5853-23B0-2344-8ED6-D2879B889C2E}" type="datetimeFigureOut">
               <a:rPr lang="en-US" smtClean="0"/>
-              <a:t>6/24/24</a:t>
+              <a:t>10/2/24</a:t>
             </a:fld>
             <a:endParaRPr lang="en-US"/>
           </a:p>
@@ -5828,7 +5829,7 @@
           <a:p>
             <a:fld id="{1B5E5853-23B0-2344-8ED6-D2879B889C2E}" type="datetimeFigureOut">
               <a:rPr lang="en-US" smtClean="0"/>
-              <a:t>6/24/24</a:t>
+              <a:t>10/2/24</a:t>
             </a:fld>
             <a:endParaRPr lang="en-US"/>
           </a:p>
@@ -6081,7 +6082,7 @@
           <a:p>
             <a:fld id="{1B5E5853-23B0-2344-8ED6-D2879B889C2E}" type="datetimeFigureOut">
               <a:rPr lang="en-US" smtClean="0"/>
-              <a:t>6/24/24</a:t>
+              <a:t>10/2/24</a:t>
             </a:fld>
             <a:endParaRPr lang="en-US"/>
           </a:p>
@@ -6251,7 +6252,7 @@
           <a:p>
             <a:fld id="{1B5E5853-23B0-2344-8ED6-D2879B889C2E}" type="datetimeFigureOut">
               <a:rPr lang="en-US" smtClean="0"/>
-              <a:t>6/24/24</a:t>
+              <a:t>10/2/24</a:t>
             </a:fld>
             <a:endParaRPr lang="en-US"/>
           </a:p>
@@ -6431,7 +6432,7 @@
           <a:p>
             <a:fld id="{1B5E5853-23B0-2344-8ED6-D2879B889C2E}" type="datetimeFigureOut">
               <a:rPr lang="en-US" smtClean="0"/>
-              <a:t>6/24/24</a:t>
+              <a:t>10/2/24</a:t>
             </a:fld>
             <a:endParaRPr lang="en-US"/>
           </a:p>
@@ -9368,7 +9369,7 @@
           <a:p>
             <a:fld id="{1B5E5853-23B0-2344-8ED6-D2879B889C2E}" type="datetimeFigureOut">
               <a:rPr lang="en-US" smtClean="0"/>
-              <a:t>6/24/24</a:t>
+              <a:t>10/2/24</a:t>
             </a:fld>
             <a:endParaRPr lang="en-US"/>
           </a:p>
@@ -11265,6 +11266,352 @@
       <p:bldP spid="4" grpId="0"/>
     </p:bldLst>
   </p:timing>
+</p:sld>
+</file>
+
+<file path=ppt/slides/slide9.xml><?xml version="1.0" encoding="utf-8"?>
+<p:sld xmlns:a="http://schemas.openxmlformats.org/drawingml/2006/main" xmlns:r="http://schemas.openxmlformats.org/officeDocument/2006/relationships" xmlns:p="http://schemas.openxmlformats.org/presentationml/2006/main">
+  <p:cSld>
+    <p:spTree>
+      <p:nvGrpSpPr>
+        <p:cNvPr id="1" name=""/>
+        <p:cNvGrpSpPr/>
+        <p:nvPr/>
+      </p:nvGrpSpPr>
+      <p:grpSpPr>
+        <a:xfrm>
+          <a:off x="0" y="0"/>
+          <a:ext cx="0" cy="0"/>
+          <a:chOff x="0" y="0"/>
+          <a:chExt cx="0" cy="0"/>
+        </a:xfrm>
+      </p:grpSpPr>
+      <p:sp>
+        <p:nvSpPr>
+          <p:cNvPr id="2" name="Text Placeholder 1"/>
+          <p:cNvSpPr>
+            <a:spLocks noGrp="1"/>
+          </p:cNvSpPr>
+          <p:nvPr>
+            <p:ph type="body" sz="quarter" idx="10"/>
+          </p:nvPr>
+        </p:nvSpPr>
+        <p:spPr/>
+        <p:txBody>
+          <a:bodyPr/>
+          <a:lstStyle/>
+          <a:p>
+            <a:r>
+              <a:rPr lang="en-US" dirty="0"/>
+              <a:t>Upcoming events and workshops </a:t>
+            </a:r>
+          </a:p>
+        </p:txBody>
+      </p:sp>
+      <p:sp>
+        <p:nvSpPr>
+          <p:cNvPr id="4" name="Text Placeholder 3"/>
+          <p:cNvSpPr>
+            <a:spLocks noGrp="1"/>
+          </p:cNvSpPr>
+          <p:nvPr>
+            <p:ph type="body" sz="quarter" idx="12"/>
+          </p:nvPr>
+        </p:nvSpPr>
+        <p:spPr>
+          <a:xfrm>
+            <a:off x="377744" y="857250"/>
+            <a:ext cx="8382000" cy="3943060"/>
+          </a:xfrm>
+        </p:spPr>
+        <p:txBody>
+          <a:bodyPr>
+            <a:normAutofit/>
+          </a:bodyPr>
+          <a:lstStyle/>
+          <a:p>
+            <a:pPr marL="0" indent="0">
+              <a:buNone/>
+            </a:pPr>
+            <a:r>
+              <a:rPr lang="en-US" b="1" dirty="0"/>
+              <a:t>Teaching workshops</a:t>
+            </a:r>
+          </a:p>
+          <a:p>
+            <a:pPr marL="0" indent="0">
+              <a:buNone/>
+            </a:pPr>
+            <a:r>
+              <a:rPr lang="en-US" dirty="0">
+                <a:effectLst/>
+              </a:rPr>
+              <a:t>Monday 14 October                  Hands on LLM workshop</a:t>
+            </a:r>
+          </a:p>
+          <a:p>
+            <a:pPr marL="0" indent="0">
+              <a:buNone/>
+            </a:pPr>
+            <a:r>
+              <a:rPr lang="en-US" dirty="0">
+                <a:effectLst/>
+              </a:rPr>
+              <a:t>Wednesday 6 November          An Introduction to Diffusion Models in Generative AI</a:t>
+            </a:r>
+          </a:p>
+          <a:p>
+            <a:pPr marL="0" indent="0">
+              <a:buNone/>
+            </a:pPr>
+            <a:r>
+              <a:rPr lang="en-US" dirty="0">
+                <a:effectLst/>
+              </a:rPr>
+              <a:t>Monday 18 November              Publishing and Packaging Python Code for Research</a:t>
+            </a:r>
+          </a:p>
+          <a:p>
+            <a:pPr marL="0" indent="0">
+              <a:buNone/>
+            </a:pPr>
+            <a:r>
+              <a:rPr lang="en-US" dirty="0">
+                <a:effectLst/>
+              </a:rPr>
+              <a:t>Monday 2 December                An Introduction to Docker</a:t>
+            </a:r>
+          </a:p>
+          <a:p>
+            <a:pPr marL="0" indent="0">
+              <a:buNone/>
+            </a:pPr>
+            <a:r>
+              <a:rPr lang="en-US" dirty="0">
+                <a:effectLst/>
+              </a:rPr>
+              <a:t>Wednesday 4 December          Hands on AI workshop</a:t>
+            </a:r>
+          </a:p>
+          <a:p>
+            <a:pPr marL="0" indent="0">
+              <a:buNone/>
+            </a:pPr>
+            <a:endParaRPr lang="en-US" dirty="0"/>
+          </a:p>
+          <a:p>
+            <a:pPr marL="0" indent="0">
+              <a:buNone/>
+            </a:pPr>
+            <a:r>
+              <a:rPr lang="en-US" b="1" dirty="0"/>
+              <a:t>AI Cafés </a:t>
+            </a:r>
+          </a:p>
+          <a:p>
+            <a:pPr marL="0" indent="0">
+              <a:buNone/>
+            </a:pPr>
+            <a:r>
+              <a:rPr lang="en-US"/>
+              <a:t>Wednesday </a:t>
+            </a:r>
+            <a:r>
+              <a:rPr lang="en-US" dirty="0"/>
+              <a:t>23 October – West Hub </a:t>
+            </a:r>
+          </a:p>
+          <a:p>
+            <a:pPr marL="0" indent="0">
+              <a:buNone/>
+            </a:pPr>
+            <a:r>
+              <a:rPr lang="en-US" dirty="0"/>
+              <a:t>Monday 11 November – St Edmund’s College  </a:t>
+            </a:r>
+          </a:p>
+          <a:p>
+            <a:pPr marL="0" indent="0">
+              <a:buNone/>
+            </a:pPr>
+            <a:endParaRPr lang="en-US" dirty="0"/>
+          </a:p>
+        </p:txBody>
+      </p:sp>
+      <p:sp>
+        <p:nvSpPr>
+          <p:cNvPr id="5" name="TextBox 4">
+            <a:extLst>
+              <a:ext uri="{FF2B5EF4-FFF2-40B4-BE49-F238E27FC236}">
+                <a16:creationId xmlns:a16="http://schemas.microsoft.com/office/drawing/2014/main" id="{D883AC1F-BCBF-79B4-2610-C9E531D50468}"/>
+              </a:ext>
+            </a:extLst>
+          </p:cNvPr>
+          <p:cNvSpPr txBox="1"/>
+          <p:nvPr/>
+        </p:nvSpPr>
+        <p:spPr>
+          <a:xfrm>
+            <a:off x="6313821" y="1082881"/>
+            <a:ext cx="2830180" cy="3000821"/>
+          </a:xfrm>
+          <a:prstGeom prst="rect">
+            <a:avLst/>
+          </a:prstGeom>
+          <a:noFill/>
+        </p:spPr>
+        <p:txBody>
+          <a:bodyPr wrap="square" rtlCol="0">
+            <a:spAutoFit/>
+          </a:bodyPr>
+          <a:lstStyle/>
+          <a:p>
+            <a:r>
+              <a:rPr lang="en-US" sz="1350" dirty="0">
+                <a:latin typeface="Helvetica" panose="020B0604020202020204" pitchFamily="34" charset="0"/>
+                <a:cs typeface="Helvetica" panose="020B0604020202020204" pitchFamily="34" charset="0"/>
+              </a:rPr>
+              <a:t>Sign up through our events page:</a:t>
+            </a:r>
+          </a:p>
+          <a:p>
+            <a:endParaRPr lang="en-US" sz="1350" dirty="0">
+              <a:latin typeface="Helvetica" panose="020B0604020202020204" pitchFamily="34" charset="0"/>
+              <a:cs typeface="Helvetica" panose="020B0604020202020204" pitchFamily="34" charset="0"/>
+            </a:endParaRPr>
+          </a:p>
+          <a:p>
+            <a:endParaRPr lang="en-US" sz="1350" dirty="0">
+              <a:latin typeface="Helvetica" panose="020B0604020202020204" pitchFamily="34" charset="0"/>
+              <a:cs typeface="Helvetica" panose="020B0604020202020204" pitchFamily="34" charset="0"/>
+            </a:endParaRPr>
+          </a:p>
+          <a:p>
+            <a:endParaRPr lang="en-US" sz="1350" dirty="0">
+              <a:latin typeface="Helvetica" panose="020B0604020202020204" pitchFamily="34" charset="0"/>
+              <a:cs typeface="Helvetica" panose="020B0604020202020204" pitchFamily="34" charset="0"/>
+            </a:endParaRPr>
+          </a:p>
+          <a:p>
+            <a:endParaRPr lang="en-US" sz="1350" dirty="0">
+              <a:latin typeface="Helvetica" panose="020B0604020202020204" pitchFamily="34" charset="0"/>
+              <a:cs typeface="Helvetica" panose="020B0604020202020204" pitchFamily="34" charset="0"/>
+            </a:endParaRPr>
+          </a:p>
+          <a:p>
+            <a:endParaRPr lang="en-US" sz="1350" dirty="0">
+              <a:latin typeface="Helvetica" panose="020B0604020202020204" pitchFamily="34" charset="0"/>
+              <a:cs typeface="Helvetica" panose="020B0604020202020204" pitchFamily="34" charset="0"/>
+            </a:endParaRPr>
+          </a:p>
+          <a:p>
+            <a:endParaRPr lang="en-US" sz="1350" dirty="0">
+              <a:latin typeface="Helvetica" panose="020B0604020202020204" pitchFamily="34" charset="0"/>
+              <a:cs typeface="Helvetica" panose="020B0604020202020204" pitchFamily="34" charset="0"/>
+            </a:endParaRPr>
+          </a:p>
+          <a:p>
+            <a:endParaRPr lang="en-US" sz="1350" dirty="0">
+              <a:latin typeface="Helvetica" panose="020B0604020202020204" pitchFamily="34" charset="0"/>
+              <a:cs typeface="Helvetica" panose="020B0604020202020204" pitchFamily="34" charset="0"/>
+            </a:endParaRPr>
+          </a:p>
+          <a:p>
+            <a:endParaRPr lang="en-US" sz="1350" dirty="0">
+              <a:latin typeface="Helvetica" panose="020B0604020202020204" pitchFamily="34" charset="0"/>
+              <a:cs typeface="Helvetica" panose="020B0604020202020204" pitchFamily="34" charset="0"/>
+            </a:endParaRPr>
+          </a:p>
+          <a:p>
+            <a:endParaRPr lang="en-US" sz="1350" dirty="0">
+              <a:latin typeface="Helvetica" panose="020B0604020202020204" pitchFamily="34" charset="0"/>
+              <a:cs typeface="Helvetica" panose="020B0604020202020204" pitchFamily="34" charset="0"/>
+            </a:endParaRPr>
+          </a:p>
+          <a:p>
+            <a:r>
+              <a:rPr lang="en-US" sz="1350" dirty="0">
+                <a:latin typeface="Helvetica" panose="020B0604020202020204" pitchFamily="34" charset="0"/>
+                <a:cs typeface="Helvetica" panose="020B0604020202020204" pitchFamily="34" charset="0"/>
+              </a:rPr>
+              <a:t>Get in touch for further information and support: </a:t>
+            </a:r>
+          </a:p>
+          <a:p>
+            <a:endParaRPr lang="en-US" sz="1350" dirty="0">
+              <a:latin typeface="Helvetica" panose="020B0604020202020204" pitchFamily="34" charset="0"/>
+              <a:cs typeface="Helvetica" panose="020B0604020202020204" pitchFamily="34" charset="0"/>
+            </a:endParaRPr>
+          </a:p>
+          <a:p>
+            <a:r>
+              <a:rPr lang="en-US" sz="1350" dirty="0">
+                <a:latin typeface="Helvetica" panose="020B0604020202020204" pitchFamily="34" charset="0"/>
+                <a:cs typeface="Helvetica" panose="020B0604020202020204" pitchFamily="34" charset="0"/>
+                <a:hlinkClick r:id="rId2"/>
+              </a:rPr>
+              <a:t>accelerate-mle@cst.cam.ac.uk</a:t>
+            </a:r>
+            <a:r>
+              <a:rPr lang="en-US" sz="1350" dirty="0">
+                <a:latin typeface="Helvetica" panose="020B0604020202020204" pitchFamily="34" charset="0"/>
+                <a:cs typeface="Helvetica" panose="020B0604020202020204" pitchFamily="34" charset="0"/>
+              </a:rPr>
+              <a:t> </a:t>
+            </a:r>
+            <a:endParaRPr lang="en-GB" sz="1350" dirty="0">
+              <a:latin typeface="Helvetica" panose="020B0604020202020204" pitchFamily="34" charset="0"/>
+              <a:cs typeface="Helvetica" panose="020B0604020202020204" pitchFamily="34" charset="0"/>
+            </a:endParaRPr>
+          </a:p>
+        </p:txBody>
+      </p:sp>
+      <p:pic>
+        <p:nvPicPr>
+          <p:cNvPr id="8" name="Picture 7" descr="A qr code with a white background&#10;&#10;Description automatically generated">
+            <a:extLst>
+              <a:ext uri="{FF2B5EF4-FFF2-40B4-BE49-F238E27FC236}">
+                <a16:creationId xmlns:a16="http://schemas.microsoft.com/office/drawing/2014/main" id="{ECEC139F-BC03-CC66-6071-8C0407E6C9F2}"/>
+              </a:ext>
+            </a:extLst>
+          </p:cNvPr>
+          <p:cNvPicPr>
+            <a:picLocks noChangeAspect="1"/>
+          </p:cNvPicPr>
+          <p:nvPr/>
+        </p:nvPicPr>
+        <p:blipFill>
+          <a:blip r:embed="rId3">
+            <a:extLst>
+              <a:ext uri="{28A0092B-C50C-407E-A947-70E740481C1C}">
+                <a14:useLocalDpi xmlns:a14="http://schemas.microsoft.com/office/drawing/2010/main" val="0"/>
+              </a:ext>
+            </a:extLst>
+          </a:blip>
+          <a:stretch>
+            <a:fillRect/>
+          </a:stretch>
+        </p:blipFill>
+        <p:spPr>
+          <a:xfrm>
+            <a:off x="7239664" y="1432279"/>
+            <a:ext cx="1243385" cy="1261760"/>
+          </a:xfrm>
+          <a:prstGeom prst="rect">
+            <a:avLst/>
+          </a:prstGeom>
+        </p:spPr>
+      </p:pic>
+    </p:spTree>
+    <p:extLst>
+      <p:ext uri="{BB962C8B-B14F-4D97-AF65-F5344CB8AC3E}">
+        <p14:creationId xmlns:p14="http://schemas.microsoft.com/office/powerpoint/2010/main" val="385288236"/>
+      </p:ext>
+    </p:extLst>
+  </p:cSld>
+  <p:clrMapOvr>
+    <a:masterClrMapping/>
+  </p:clrMapOvr>
 </p:sld>
 </file>
 
